--- a/Module5 -Introduction to PHP/IARE_WSE05_4Reading data from web form controls like Text Boxes, radio buttons, lists etc.pptx
+++ b/Module5 -Introduction to PHP/IARE_WSE05_4Reading data from web form controls like Text Boxes, radio buttons, lists etc.pptx
@@ -5,24 +5,41 @@
     <p:sldMasterId id="2147483648" r:id="rId1"/>
   </p:sldMasterIdLst>
   <p:notesMasterIdLst>
-    <p:notesMasterId r:id="rId5"/>
+    <p:notesMasterId r:id="rId9"/>
   </p:notesMasterIdLst>
   <p:handoutMasterIdLst>
-    <p:handoutMasterId r:id="rId6"/>
+    <p:handoutMasterId r:id="rId10"/>
   </p:handoutMasterIdLst>
   <p:sldIdLst>
     <p:sldId id="491" r:id="rId2"/>
     <p:sldId id="760" r:id="rId3"/>
-    <p:sldId id="743" r:id="rId4"/>
+    <p:sldId id="761" r:id="rId4"/>
+    <p:sldId id="762" r:id="rId5"/>
+    <p:sldId id="763" r:id="rId6"/>
+    <p:sldId id="764" r:id="rId7"/>
+    <p:sldId id="743" r:id="rId8"/>
   </p:sldIdLst>
   <p:sldSz cx="9144000" cy="5143500" type="screen16x9"/>
   <p:notesSz cx="6858000" cy="9296400"/>
   <p:embeddedFontLst>
     <p:embeddedFont>
+      <p:font typeface="Consolas" panose="020B0609020204030204" pitchFamily="49" charset="0"/>
+      <p:regular r:id="rId11"/>
+      <p:bold r:id="rId12"/>
+      <p:italic r:id="rId13"/>
+      <p:boldItalic r:id="rId14"/>
+    </p:embeddedFont>
+    <p:embeddedFont>
       <p:font typeface="Garamond" panose="02020404030301010803" pitchFamily="18" charset="0"/>
-      <p:regular r:id="rId7"/>
-      <p:bold r:id="rId8"/>
-      <p:italic r:id="rId9"/>
+      <p:regular r:id="rId15"/>
+      <p:bold r:id="rId16"/>
+      <p:italic r:id="rId17"/>
+    </p:embeddedFont>
+    <p:embeddedFont>
+      <p:font typeface="Nunito" pitchFamily="2" charset="0"/>
+      <p:regular r:id="rId18"/>
+      <p:bold r:id="rId19"/>
+      <p:italic r:id="rId20"/>
     </p:embeddedFont>
   </p:embeddedFontLst>
   <p:defaultTextStyle>
@@ -1614,7 +1631,7 @@
           <a:p>
             <a:fld id="{40809F3C-EB3C-498F-A7EF-0555AFEB2E5D}" type="datetimeFigureOut">
               <a:rPr lang="en-US" smtClean="0"/>
-              <a:t>4/11/2025</a:t>
+              <a:t>4/21/2025</a:t>
             </a:fld>
             <a:endParaRPr lang="en-US"/>
           </a:p>
@@ -4125,16 +4142,13 @@
             <a:pPr algn="l"/>
             <a:r>
               <a:rPr lang="en-US" dirty="0"/>
-              <a:t>Course Title - </a:t>
-            </a:r>
-            <a:r>
-              <a:rPr lang="en-GB" altLang="en-US" sz="1800" b="1" dirty="0">
-                <a:solidFill>
-                  <a:srgbClr val="0070C0"/>
-                </a:solidFill>
-              </a:rPr>
-              <a:t>Web System Engineering</a:t>
-            </a:r>
+              <a:t>Course Title -DBMS</a:t>
+            </a:r>
+            <a:endParaRPr lang="en-GB" altLang="en-US" sz="1800" b="1" dirty="0">
+              <a:solidFill>
+                <a:srgbClr val="0070C0"/>
+              </a:solidFill>
+            </a:endParaRPr>
           </a:p>
         </p:txBody>
       </p:sp>
@@ -4175,14 +4189,10 @@
               <a:t>	</a:t>
             </a:r>
             <a:r>
-              <a:rPr lang="en-US" sz="1600" dirty="0"/>
-              <a:t>Reading data from web form controls like Text Boxes, radio buttons, lists </a:t>
-            </a:r>
-            <a:r>
-              <a:rPr lang="en-US" sz="1600" dirty="0" err="1"/>
-              <a:t>etc</a:t>
-            </a:r>
-            <a:endParaRPr lang="en-US" altLang="en-GB" sz="1600" b="1" dirty="0">
+              <a:rPr lang="en-IN" sz="1800" dirty="0"/>
+              <a:t>Multiple Granularity Deadlock Handling</a:t>
+            </a:r>
+            <a:endParaRPr lang="en-US" altLang="en-GB" sz="1800" b="1" dirty="0">
               <a:solidFill>
                 <a:srgbClr val="0070C0"/>
               </a:solidFill>
@@ -4224,13 +4234,13 @@
               <a:t>Presenter’s Name - </a:t>
             </a:r>
             <a:r>
-              <a:rPr lang="en-GB" altLang="en-US" b="1" dirty="0">
+              <a:rPr lang="en-GB" b="1" dirty="0">
                 <a:solidFill>
                   <a:srgbClr val="0070C0"/>
                 </a:solidFill>
                 <a:latin typeface="+mj-lt"/>
               </a:rPr>
-              <a:t>M ArunKumar</a:t>
+              <a:t> Chandrika</a:t>
             </a:r>
             <a:endParaRPr lang="en-US" dirty="0">
               <a:solidFill>
@@ -4251,7 +4261,7 @@
                 </a:solidFill>
                 <a:latin typeface="+mj-lt"/>
               </a:rPr>
-              <a:t>IARE11151</a:t>
+              <a:t>IARE11147</a:t>
             </a:r>
             <a:endParaRPr lang="en-US" dirty="0">
               <a:solidFill>
@@ -4303,40 +4313,6 @@
               <a:t> </a:t>
             </a:r>
             <a:endParaRPr lang="en-US" dirty="0">
-              <a:solidFill>
-                <a:srgbClr val="0070C0"/>
-              </a:solidFill>
-              <a:latin typeface="+mj-lt"/>
-            </a:endParaRPr>
-          </a:p>
-          <a:p>
-            <a:pPr algn="l"/>
-            <a:r>
-              <a:rPr lang="en-US" dirty="0"/>
-              <a:t>Lecture Number - </a:t>
-            </a:r>
-            <a:r>
-              <a:rPr lang="en-GB" altLang="en-US" dirty="0"/>
-              <a:t>#</a:t>
-            </a:r>
-            <a:endParaRPr lang="en-US" dirty="0">
-              <a:solidFill>
-                <a:srgbClr val="0070C0"/>
-              </a:solidFill>
-              <a:latin typeface="+mj-lt"/>
-            </a:endParaRPr>
-          </a:p>
-          <a:p>
-            <a:pPr algn="l"/>
-            <a:r>
-              <a:rPr lang="en-US" dirty="0"/>
-              <a:t>Presentation Date - </a:t>
-            </a:r>
-            <a:r>
-              <a:rPr lang="en-GB" altLang="en-US" dirty="0"/>
-              <a:t>##/04/2025</a:t>
-            </a:r>
-            <a:endParaRPr lang="en-GB" altLang="en-US" dirty="0">
               <a:solidFill>
                 <a:srgbClr val="0070C0"/>
               </a:solidFill>
@@ -4446,145 +4422,234 @@
           <a:p>
             <a:pPr algn="l"/>
             <a:r>
-              <a:rPr lang="en-US" sz="1600" dirty="0"/>
-              <a:t>Reading data from web form controls like Text Boxes, radio buttons, lists </a:t>
-            </a:r>
-            <a:r>
-              <a:rPr lang="en-US" sz="1600" dirty="0" err="1"/>
-              <a:t>etc</a:t>
+              <a:rPr lang="en-IN" sz="1600" dirty="0"/>
+              <a:t>Multiple Granularity Deadlock Handling</a:t>
             </a:r>
             <a:endParaRPr lang="en-US" altLang="en-GB" sz="1600" dirty="0"/>
           </a:p>
         </p:txBody>
       </p:sp>
-      <p:graphicFrame>
-        <p:nvGraphicFramePr>
-          <p:cNvPr id="7" name="Object 6">
-            <a:hlinkClick r:id="rId2" action="ppaction://hlinkfile"/>
+      <p:sp>
+        <p:nvSpPr>
+          <p:cNvPr id="3" name="TextBox 2">
             <a:extLst>
               <a:ext uri="{FF2B5EF4-FFF2-40B4-BE49-F238E27FC236}">
-                <a16:creationId xmlns:a16="http://schemas.microsoft.com/office/drawing/2014/main" id="{F6E1EAD7-CAE2-B8FB-D792-5640F1ABC329}"/>
+                <a16:creationId xmlns:a16="http://schemas.microsoft.com/office/drawing/2014/main" id="{096A6E10-8839-1079-C908-0FC68917945B}"/>
               </a:ext>
             </a:extLst>
           </p:cNvPr>
-          <p:cNvGraphicFramePr>
-            <a:graphicFrameLocks noChangeAspect="1"/>
-          </p:cNvGraphicFramePr>
-          <p:nvPr>
-            <p:extLst>
-              <p:ext uri="{D42A27DB-BD31-4B8C-83A1-F6EECF244321}">
-                <p14:modId xmlns:p14="http://schemas.microsoft.com/office/powerpoint/2010/main" val="1459203433"/>
-              </p:ext>
-            </p:extLst>
-          </p:nvPr>
-        </p:nvGraphicFramePr>
-        <p:xfrm>
-          <a:off x="5340804" y="3228974"/>
-          <a:ext cx="3639619" cy="1200521"/>
-        </p:xfrm>
-        <a:graphic>
-          <a:graphicData uri="http://schemas.openxmlformats.org/presentationml/2006/ole">
-            <mc:AlternateContent xmlns:mc="http://schemas.openxmlformats.org/markup-compatibility/2006">
-              <mc:Choice xmlns:v="urn:schemas-microsoft-com:vml" Requires="v">
-                <p:oleObj name="Packager Shell Object" showAsIcon="1" r:id="rId3" imgW="2381343" imgH="514326" progId="Package">
-                  <p:embed/>
-                </p:oleObj>
-              </mc:Choice>
-              <mc:Fallback>
-                <p:oleObj name="Packager Shell Object" showAsIcon="1" r:id="rId3" imgW="2381343" imgH="514326" progId="Package">
-                  <p:embed/>
-                  <p:pic>
-                    <p:nvPicPr>
-                      <p:cNvPr id="0" name=""/>
-                      <p:cNvPicPr/>
-                      <p:nvPr/>
-                    </p:nvPicPr>
-                    <p:blipFill>
-                      <a:blip r:embed="rId4"/>
-                      <a:stretch>
-                        <a:fillRect/>
-                      </a:stretch>
-                    </p:blipFill>
-                    <p:spPr>
-                      <a:xfrm>
-                        <a:off x="5340804" y="3228974"/>
-                        <a:ext cx="3639619" cy="1200521"/>
-                      </a:xfrm>
-                      <a:prstGeom prst="rect">
-                        <a:avLst/>
-                      </a:prstGeom>
-                    </p:spPr>
-                  </p:pic>
-                </p:oleObj>
-              </mc:Fallback>
-            </mc:AlternateContent>
-          </a:graphicData>
-        </a:graphic>
-      </p:graphicFrame>
-      <p:graphicFrame>
-        <p:nvGraphicFramePr>
-          <p:cNvPr id="8" name="Object 7">
-            <a:hlinkClick r:id="rId5" action="ppaction://hlinkfile"/>
+          <p:cNvSpPr txBox="1"/>
+          <p:nvPr/>
+        </p:nvSpPr>
+        <p:spPr bwMode="auto">
+          <a:xfrm>
+            <a:off x="191135" y="656825"/>
+            <a:ext cx="8121592" cy="1477328"/>
+          </a:xfrm>
+          <a:prstGeom prst="rect">
+            <a:avLst/>
+          </a:prstGeom>
+          <a:noFill/>
+          <a:ln w="19050" algn="ctr">
+            <a:noFill/>
+            <a:miter lim="800000"/>
+          </a:ln>
+        </p:spPr>
+        <p:txBody>
+          <a:bodyPr wrap="square">
+            <a:spAutoFit/>
+          </a:bodyPr>
+          <a:lstStyle/>
+          <a:p>
+            <a:pPr algn="l" fontAlgn="base"/>
+            <a:r>
+              <a:rPr lang="en-US" b="1" i="0" dirty="0">
+                <a:solidFill>
+                  <a:srgbClr val="273239"/>
+                </a:solidFill>
+                <a:effectLst/>
+                <a:latin typeface="Nunito" panose="020F0502020204030204" pitchFamily="2" charset="0"/>
+              </a:rPr>
+              <a:t>Granularity</a:t>
+            </a:r>
+          </a:p>
+          <a:p>
+            <a:pPr algn="just" rtl="0" fontAlgn="base"/>
+            <a:r>
+              <a:rPr lang="en-US" b="0" i="0" dirty="0">
+                <a:solidFill>
+                  <a:srgbClr val="273239"/>
+                </a:solidFill>
+                <a:effectLst/>
+                <a:latin typeface="Nunito" panose="020F0502020204030204" pitchFamily="2" charset="0"/>
+              </a:rPr>
+              <a:t>It is the size of the data item allowed to lock. Now </a:t>
+            </a:r>
+            <a:r>
+              <a:rPr lang="en-US" b="0" i="1" dirty="0">
+                <a:solidFill>
+                  <a:srgbClr val="273239"/>
+                </a:solidFill>
+                <a:effectLst/>
+                <a:latin typeface="Nunito" panose="020F0502020204030204" pitchFamily="2" charset="0"/>
+              </a:rPr>
+              <a:t>Multiple Granularity</a:t>
+            </a:r>
+            <a:r>
+              <a:rPr lang="en-US" b="0" i="0" dirty="0">
+                <a:solidFill>
+                  <a:srgbClr val="273239"/>
+                </a:solidFill>
+                <a:effectLst/>
+                <a:latin typeface="Nunito" panose="020F0502020204030204" pitchFamily="2" charset="0"/>
+              </a:rPr>
+              <a:t> means hierarchically breaking up the database into blocks that can be locked and can be tracked what needs to lock and in what fashion. Such a hierarchy can be represented graphically as a tree. </a:t>
+            </a:r>
+          </a:p>
+        </p:txBody>
+      </p:sp>
+      <p:sp>
+        <p:nvSpPr>
+          <p:cNvPr id="9" name="TextBox 8">
             <a:extLst>
               <a:ext uri="{FF2B5EF4-FFF2-40B4-BE49-F238E27FC236}">
-                <a16:creationId xmlns:a16="http://schemas.microsoft.com/office/drawing/2014/main" id="{E821EA56-8D86-20B4-5ABE-D5DDDA9DFC26}"/>
+                <a16:creationId xmlns:a16="http://schemas.microsoft.com/office/drawing/2014/main" id="{8195E546-C030-A1F2-84C9-59A3550AD7A3}"/>
               </a:ext>
             </a:extLst>
           </p:cNvPr>
-          <p:cNvGraphicFramePr>
-            <a:graphicFrameLocks noChangeAspect="1"/>
-          </p:cNvGraphicFramePr>
-          <p:nvPr>
-            <p:extLst>
-              <p:ext uri="{D42A27DB-BD31-4B8C-83A1-F6EECF244321}">
-                <p14:modId xmlns:p14="http://schemas.microsoft.com/office/powerpoint/2010/main" val="3144184585"/>
-              </p:ext>
-            </p:extLst>
-          </p:nvPr>
-        </p:nvGraphicFramePr>
-        <p:xfrm>
-          <a:off x="6435003" y="1150793"/>
-          <a:ext cx="1818348" cy="853833"/>
-        </p:xfrm>
-        <a:graphic>
-          <a:graphicData uri="http://schemas.openxmlformats.org/presentationml/2006/ole">
-            <mc:AlternateContent xmlns:mc="http://schemas.openxmlformats.org/markup-compatibility/2006">
-              <mc:Choice xmlns:v="urn:schemas-microsoft-com:vml" Requires="v">
-                <p:oleObj name="Packager Shell Object" showAsIcon="1" r:id="rId6" imgW="1095357" imgH="514326" progId="Package">
-                  <p:embed/>
-                </p:oleObj>
-              </mc:Choice>
-              <mc:Fallback>
-                <p:oleObj name="Packager Shell Object" showAsIcon="1" r:id="rId6" imgW="1095357" imgH="514326" progId="Package">
-                  <p:embed/>
-                  <p:pic>
-                    <p:nvPicPr>
-                      <p:cNvPr id="0" name=""/>
-                      <p:cNvPicPr/>
-                      <p:nvPr/>
-                    </p:nvPicPr>
-                    <p:blipFill>
-                      <a:blip r:embed="rId7"/>
-                      <a:stretch>
-                        <a:fillRect/>
-                      </a:stretch>
-                    </p:blipFill>
-                    <p:spPr>
-                      <a:xfrm>
-                        <a:off x="6435003" y="1150793"/>
-                        <a:ext cx="1818348" cy="853833"/>
-                      </a:xfrm>
-                      <a:prstGeom prst="rect">
-                        <a:avLst/>
-                      </a:prstGeom>
-                    </p:spPr>
-                  </p:pic>
-                </p:oleObj>
-              </mc:Fallback>
-            </mc:AlternateContent>
-          </a:graphicData>
-        </a:graphic>
-      </p:graphicFrame>
+          <p:cNvSpPr txBox="1"/>
+          <p:nvPr/>
+        </p:nvSpPr>
+        <p:spPr bwMode="auto">
+          <a:xfrm>
+            <a:off x="191135" y="2134153"/>
+            <a:ext cx="8789288" cy="2585323"/>
+          </a:xfrm>
+          <a:prstGeom prst="rect">
+            <a:avLst/>
+          </a:prstGeom>
+          <a:noFill/>
+          <a:ln w="19050" algn="ctr">
+            <a:noFill/>
+            <a:miter lim="800000"/>
+          </a:ln>
+        </p:spPr>
+        <p:txBody>
+          <a:bodyPr wrap="square">
+            <a:spAutoFit/>
+          </a:bodyPr>
+          <a:lstStyle/>
+          <a:p>
+            <a:pPr algn="just" rtl="0" fontAlgn="base"/>
+            <a:r>
+              <a:rPr lang="en-US" b="1" i="0" dirty="0">
+                <a:solidFill>
+                  <a:srgbClr val="273239"/>
+                </a:solidFill>
+                <a:effectLst/>
+                <a:latin typeface="Nunito" pitchFamily="2" charset="0"/>
+              </a:rPr>
+              <a:t>For example,</a:t>
+            </a:r>
+            <a:r>
+              <a:rPr lang="en-US" b="0" i="0" dirty="0">
+                <a:solidFill>
+                  <a:srgbClr val="273239"/>
+                </a:solidFill>
+                <a:effectLst/>
+                <a:latin typeface="Nunito" pitchFamily="2" charset="0"/>
+              </a:rPr>
+              <a:t> consider the tree, which consists of four levels of nodes. The highest level represents the entire database. Below it is nodes of type area; the database consists of exactly these areas. The area has children nodes which are called files. Every area has those files that are its child nodes. No file can span more than one area. </a:t>
+            </a:r>
+          </a:p>
+          <a:p>
+            <a:pPr algn="l" fontAlgn="base"/>
+            <a:r>
+              <a:rPr lang="en-US" b="0" i="0" dirty="0">
+                <a:solidFill>
+                  <a:srgbClr val="273239"/>
+                </a:solidFill>
+                <a:effectLst/>
+                <a:latin typeface="Nunito" pitchFamily="2" charset="0"/>
+              </a:rPr>
+              <a:t>Finally, each file has child nodes called records. As before, the file consists of exactly those records that are its child nodes, and no record can be present in more than one file. Hence, the levels starting from the top level are: </a:t>
+            </a:r>
+          </a:p>
+          <a:p>
+            <a:pPr algn="l" fontAlgn="base">
+              <a:buFont typeface="Arial" panose="020B0604020202020204" pitchFamily="34" charset="0"/>
+              <a:buChar char="•"/>
+            </a:pPr>
+            <a:r>
+              <a:rPr lang="en-US" b="0" i="0" dirty="0">
+                <a:solidFill>
+                  <a:srgbClr val="273239"/>
+                </a:solidFill>
+                <a:effectLst/>
+                <a:latin typeface="Nunito" pitchFamily="2" charset="0"/>
+              </a:rPr>
+              <a:t>Database</a:t>
+            </a:r>
+            <a:r>
+              <a:rPr lang="en-US" dirty="0">
+                <a:solidFill>
+                  <a:srgbClr val="273239"/>
+                </a:solidFill>
+                <a:latin typeface="Nunito" pitchFamily="2" charset="0"/>
+              </a:rPr>
+              <a:t> , </a:t>
+            </a:r>
+            <a:r>
+              <a:rPr lang="en-US" b="0" i="0" dirty="0">
+                <a:solidFill>
+                  <a:srgbClr val="273239"/>
+                </a:solidFill>
+                <a:effectLst/>
+                <a:latin typeface="Nunito" pitchFamily="2" charset="0"/>
+              </a:rPr>
+              <a:t>area</a:t>
+            </a:r>
+            <a:r>
+              <a:rPr lang="en-US" dirty="0">
+                <a:solidFill>
+                  <a:srgbClr val="273239"/>
+                </a:solidFill>
+                <a:latin typeface="Nunito" pitchFamily="2" charset="0"/>
+              </a:rPr>
+              <a:t>  , </a:t>
+            </a:r>
+            <a:r>
+              <a:rPr lang="en-US" b="0" i="0" dirty="0">
+                <a:solidFill>
+                  <a:srgbClr val="273239"/>
+                </a:solidFill>
+                <a:effectLst/>
+                <a:latin typeface="Nunito" pitchFamily="2" charset="0"/>
+              </a:rPr>
+              <a:t>file</a:t>
+            </a:r>
+            <a:r>
+              <a:rPr lang="en-US" dirty="0">
+                <a:solidFill>
+                  <a:srgbClr val="273239"/>
+                </a:solidFill>
+                <a:latin typeface="Nunito" pitchFamily="2" charset="0"/>
+              </a:rPr>
+              <a:t> , </a:t>
+            </a:r>
+            <a:r>
+              <a:rPr lang="en-US" b="0" i="0" dirty="0">
+                <a:solidFill>
+                  <a:srgbClr val="273239"/>
+                </a:solidFill>
+                <a:effectLst/>
+                <a:latin typeface="Nunito" pitchFamily="2" charset="0"/>
+              </a:rPr>
+              <a:t>record</a:t>
+            </a:r>
+          </a:p>
+        </p:txBody>
+      </p:sp>
     </p:spTree>
     <p:extLst>
       <p:ext uri="{BB962C8B-B14F-4D97-AF65-F5344CB8AC3E}">
@@ -4636,6 +4701,961 @@
             <a:fld id="{CE02F3F4-978A-4F22-8904-DD1959DE0DD5}" type="slidenum">
               <a:rPr lang="en-US" smtClean="0"/>
               <a:t>3</a:t>
+            </a:fld>
+            <a:endParaRPr lang="en-US"/>
+          </a:p>
+        </p:txBody>
+      </p:sp>
+      <p:sp>
+        <p:nvSpPr>
+          <p:cNvPr id="5" name="Title 4"/>
+          <p:cNvSpPr>
+            <a:spLocks noGrp="1"/>
+          </p:cNvSpPr>
+          <p:nvPr>
+            <p:ph type="title"/>
+          </p:nvPr>
+        </p:nvSpPr>
+        <p:spPr>
+          <a:xfrm>
+            <a:off x="191135" y="109220"/>
+            <a:ext cx="7972425" cy="255455"/>
+          </a:xfrm>
+        </p:spPr>
+        <p:txBody>
+          <a:bodyPr wrap="square"/>
+          <a:lstStyle/>
+          <a:p>
+            <a:pPr algn="l"/>
+            <a:r>
+              <a:rPr lang="en-IN" sz="1600" dirty="0"/>
+              <a:t>Multiple Granularity Deadlock Handling</a:t>
+            </a:r>
+            <a:endParaRPr lang="en-US" altLang="en-GB" sz="1600" dirty="0"/>
+          </a:p>
+        </p:txBody>
+      </p:sp>
+      <p:pic>
+        <p:nvPicPr>
+          <p:cNvPr id="1026" name="Picture 2" descr="Lightbox">
+            <a:extLst>
+              <a:ext uri="{FF2B5EF4-FFF2-40B4-BE49-F238E27FC236}">
+                <a16:creationId xmlns:a16="http://schemas.microsoft.com/office/drawing/2014/main" id="{7729247D-4E64-862F-C4F6-2BD05712D3B2}"/>
+              </a:ext>
+            </a:extLst>
+          </p:cNvPr>
+          <p:cNvPicPr>
+            <a:picLocks noChangeAspect="1" noChangeArrowheads="1"/>
+          </p:cNvPicPr>
+          <p:nvPr/>
+        </p:nvPicPr>
+        <p:blipFill>
+          <a:blip r:embed="rId2">
+            <a:extLst>
+              <a:ext uri="{28A0092B-C50C-407E-A947-70E740481C1C}">
+                <a14:useLocalDpi xmlns:a14="http://schemas.microsoft.com/office/drawing/2010/main" val="0"/>
+              </a:ext>
+            </a:extLst>
+          </a:blip>
+          <a:srcRect/>
+          <a:stretch>
+            <a:fillRect/>
+          </a:stretch>
+        </p:blipFill>
+        <p:spPr bwMode="auto">
+          <a:xfrm>
+            <a:off x="603250" y="430738"/>
+            <a:ext cx="7937500" cy="4549734"/>
+          </a:xfrm>
+          <a:prstGeom prst="rect">
+            <a:avLst/>
+          </a:prstGeom>
+          <a:noFill/>
+          <a:extLst>
+            <a:ext uri="{909E8E84-426E-40DD-AFC4-6F175D3DCCD1}">
+              <a14:hiddenFill xmlns:a14="http://schemas.microsoft.com/office/drawing/2010/main">
+                <a:solidFill>
+                  <a:srgbClr val="FFFFFF"/>
+                </a:solidFill>
+              </a14:hiddenFill>
+            </a:ext>
+          </a:extLst>
+        </p:spPr>
+      </p:pic>
+    </p:spTree>
+    <p:extLst>
+      <p:ext uri="{BB962C8B-B14F-4D97-AF65-F5344CB8AC3E}">
+        <p14:creationId xmlns:p14="http://schemas.microsoft.com/office/powerpoint/2010/main" val="3903961178"/>
+      </p:ext>
+    </p:extLst>
+  </p:cSld>
+  <p:clrMapOvr>
+    <a:masterClrMapping/>
+  </p:clrMapOvr>
+  <p:transition>
+    <p:fade/>
+  </p:transition>
+</p:sld>
+</file>
+
+<file path=ppt/slides/slide4.xml><?xml version="1.0" encoding="utf-8"?>
+<p:sld xmlns:a="http://schemas.openxmlformats.org/drawingml/2006/main" xmlns:r="http://schemas.openxmlformats.org/officeDocument/2006/relationships" xmlns:p="http://schemas.openxmlformats.org/presentationml/2006/main">
+  <p:cSld>
+    <p:spTree>
+      <p:nvGrpSpPr>
+        <p:cNvPr id="1" name=""/>
+        <p:cNvGrpSpPr/>
+        <p:nvPr/>
+      </p:nvGrpSpPr>
+      <p:grpSpPr>
+        <a:xfrm>
+          <a:off x="0" y="0"/>
+          <a:ext cx="0" cy="0"/>
+          <a:chOff x="0" y="0"/>
+          <a:chExt cx="0" cy="0"/>
+        </a:xfrm>
+      </p:grpSpPr>
+      <p:sp>
+        <p:nvSpPr>
+          <p:cNvPr id="4" name="Slide Number Placeholder 3"/>
+          <p:cNvSpPr>
+            <a:spLocks noGrp="1"/>
+          </p:cNvSpPr>
+          <p:nvPr>
+            <p:ph type="sldNum" sz="quarter" idx="12"/>
+          </p:nvPr>
+        </p:nvSpPr>
+        <p:spPr/>
+        <p:txBody>
+          <a:bodyPr/>
+          <a:lstStyle/>
+          <a:p>
+            <a:fld id="{CE02F3F4-978A-4F22-8904-DD1959DE0DD5}" type="slidenum">
+              <a:rPr lang="en-US" smtClean="0"/>
+              <a:t>4</a:t>
+            </a:fld>
+            <a:endParaRPr lang="en-US"/>
+          </a:p>
+        </p:txBody>
+      </p:sp>
+      <p:sp>
+        <p:nvSpPr>
+          <p:cNvPr id="5" name="Title 4"/>
+          <p:cNvSpPr>
+            <a:spLocks noGrp="1"/>
+          </p:cNvSpPr>
+          <p:nvPr>
+            <p:ph type="title"/>
+          </p:nvPr>
+        </p:nvSpPr>
+        <p:spPr>
+          <a:xfrm>
+            <a:off x="191135" y="109220"/>
+            <a:ext cx="7972425" cy="255455"/>
+          </a:xfrm>
+        </p:spPr>
+        <p:txBody>
+          <a:bodyPr wrap="square"/>
+          <a:lstStyle/>
+          <a:p>
+            <a:pPr algn="l"/>
+            <a:r>
+              <a:rPr lang="en-IN" sz="1600" dirty="0"/>
+              <a:t>Multiple Granularity Deadlock Handling</a:t>
+            </a:r>
+            <a:endParaRPr lang="en-US" altLang="en-GB" sz="1600" dirty="0"/>
+          </a:p>
+        </p:txBody>
+      </p:sp>
+      <p:sp>
+        <p:nvSpPr>
+          <p:cNvPr id="3" name="TextBox 2">
+            <a:extLst>
+              <a:ext uri="{FF2B5EF4-FFF2-40B4-BE49-F238E27FC236}">
+                <a16:creationId xmlns:a16="http://schemas.microsoft.com/office/drawing/2014/main" id="{C8C594B6-4400-B5F9-8CE7-C282452B0162}"/>
+              </a:ext>
+            </a:extLst>
+          </p:cNvPr>
+          <p:cNvSpPr txBox="1"/>
+          <p:nvPr/>
+        </p:nvSpPr>
+        <p:spPr bwMode="auto">
+          <a:xfrm>
+            <a:off x="191135" y="994068"/>
+            <a:ext cx="8180969" cy="2031325"/>
+          </a:xfrm>
+          <a:prstGeom prst="rect">
+            <a:avLst/>
+          </a:prstGeom>
+          <a:noFill/>
+          <a:ln w="19050" algn="ctr">
+            <a:noFill/>
+            <a:miter lim="800000"/>
+          </a:ln>
+        </p:spPr>
+        <p:txBody>
+          <a:bodyPr wrap="square">
+            <a:spAutoFit/>
+          </a:bodyPr>
+          <a:lstStyle/>
+          <a:p>
+            <a:r>
+              <a:rPr lang="en-US" b="1" i="0" dirty="0">
+                <a:solidFill>
+                  <a:srgbClr val="273239"/>
+                </a:solidFill>
+                <a:effectLst/>
+                <a:latin typeface="Nunito" pitchFamily="2" charset="0"/>
+              </a:rPr>
+              <a:t>Deadlock</a:t>
+            </a:r>
+            <a:r>
+              <a:rPr lang="en-US" b="0" i="0" dirty="0">
+                <a:solidFill>
+                  <a:srgbClr val="273239"/>
+                </a:solidFill>
+                <a:effectLst/>
+                <a:latin typeface="Nunito" pitchFamily="2" charset="0"/>
+              </a:rPr>
+              <a:t> is a situation where a process or a set of processes is blocked, waiting for some other resource that is held by some other waiting process. It is an undesirable state of the system. In other words, Deadlock is a critical situation in computing where a process, or a group of processes, becomes unable to proceed because each is waiting for a resource that is held by another process in the same group. This scenario leads to a complete standstill, rendering the affected processes inactive and the system inefficient.</a:t>
+            </a:r>
+            <a:endParaRPr lang="en-IN" dirty="0"/>
+          </a:p>
+        </p:txBody>
+      </p:sp>
+    </p:spTree>
+    <p:extLst>
+      <p:ext uri="{BB962C8B-B14F-4D97-AF65-F5344CB8AC3E}">
+        <p14:creationId xmlns:p14="http://schemas.microsoft.com/office/powerpoint/2010/main" val="3108172298"/>
+      </p:ext>
+    </p:extLst>
+  </p:cSld>
+  <p:clrMapOvr>
+    <a:masterClrMapping/>
+  </p:clrMapOvr>
+  <p:transition>
+    <p:fade/>
+  </p:transition>
+</p:sld>
+</file>
+
+<file path=ppt/slides/slide5.xml><?xml version="1.0" encoding="utf-8"?>
+<p:sld xmlns:a="http://schemas.openxmlformats.org/drawingml/2006/main" xmlns:r="http://schemas.openxmlformats.org/officeDocument/2006/relationships" xmlns:p="http://schemas.openxmlformats.org/presentationml/2006/main">
+  <p:cSld>
+    <p:spTree>
+      <p:nvGrpSpPr>
+        <p:cNvPr id="1" name=""/>
+        <p:cNvGrpSpPr/>
+        <p:nvPr/>
+      </p:nvGrpSpPr>
+      <p:grpSpPr>
+        <a:xfrm>
+          <a:off x="0" y="0"/>
+          <a:ext cx="0" cy="0"/>
+          <a:chOff x="0" y="0"/>
+          <a:chExt cx="0" cy="0"/>
+        </a:xfrm>
+      </p:grpSpPr>
+      <p:sp>
+        <p:nvSpPr>
+          <p:cNvPr id="4" name="Slide Number Placeholder 3"/>
+          <p:cNvSpPr>
+            <a:spLocks noGrp="1"/>
+          </p:cNvSpPr>
+          <p:nvPr>
+            <p:ph type="sldNum" sz="quarter" idx="12"/>
+          </p:nvPr>
+        </p:nvSpPr>
+        <p:spPr/>
+        <p:txBody>
+          <a:bodyPr/>
+          <a:lstStyle/>
+          <a:p>
+            <a:fld id="{CE02F3F4-978A-4F22-8904-DD1959DE0DD5}" type="slidenum">
+              <a:rPr lang="en-US" smtClean="0"/>
+              <a:t>5</a:t>
+            </a:fld>
+            <a:endParaRPr lang="en-US"/>
+          </a:p>
+        </p:txBody>
+      </p:sp>
+      <p:sp>
+        <p:nvSpPr>
+          <p:cNvPr id="5" name="Title 4"/>
+          <p:cNvSpPr>
+            <a:spLocks noGrp="1"/>
+          </p:cNvSpPr>
+          <p:nvPr>
+            <p:ph type="title"/>
+          </p:nvPr>
+        </p:nvSpPr>
+        <p:spPr>
+          <a:xfrm>
+            <a:off x="191135" y="109220"/>
+            <a:ext cx="7972425" cy="255455"/>
+          </a:xfrm>
+        </p:spPr>
+        <p:txBody>
+          <a:bodyPr wrap="square"/>
+          <a:lstStyle/>
+          <a:p>
+            <a:pPr algn="l"/>
+            <a:r>
+              <a:rPr lang="en-IN" sz="1600" dirty="0"/>
+              <a:t>Multiple Granularity Deadlock Handling</a:t>
+            </a:r>
+            <a:endParaRPr lang="en-US" altLang="en-GB" sz="1600" dirty="0"/>
+          </a:p>
+        </p:txBody>
+      </p:sp>
+      <p:sp>
+        <p:nvSpPr>
+          <p:cNvPr id="3" name="TextBox 2">
+            <a:extLst>
+              <a:ext uri="{FF2B5EF4-FFF2-40B4-BE49-F238E27FC236}">
+                <a16:creationId xmlns:a16="http://schemas.microsoft.com/office/drawing/2014/main" id="{BA3F88D5-D108-FC86-95C2-978CDD5ECBA7}"/>
+              </a:ext>
+            </a:extLst>
+          </p:cNvPr>
+          <p:cNvSpPr txBox="1"/>
+          <p:nvPr/>
+        </p:nvSpPr>
+        <p:spPr bwMode="auto">
+          <a:xfrm>
+            <a:off x="-27558" y="448091"/>
+            <a:ext cx="8980423" cy="4247317"/>
+          </a:xfrm>
+          <a:prstGeom prst="rect">
+            <a:avLst/>
+          </a:prstGeom>
+          <a:noFill/>
+          <a:ln w="19050" algn="ctr">
+            <a:noFill/>
+            <a:miter lim="800000"/>
+          </a:ln>
+        </p:spPr>
+        <p:txBody>
+          <a:bodyPr wrap="square">
+            <a:spAutoFit/>
+          </a:bodyPr>
+          <a:lstStyle/>
+          <a:p>
+            <a:pPr algn="l" fontAlgn="base"/>
+            <a:r>
+              <a:rPr lang="en-US" b="1" i="0" dirty="0">
+                <a:solidFill>
+                  <a:srgbClr val="273239"/>
+                </a:solidFill>
+                <a:effectLst/>
+                <a:latin typeface="Nunito" pitchFamily="2" charset="0"/>
+              </a:rPr>
+              <a:t>Necessary Condition for a Deadlock</a:t>
+            </a:r>
+          </a:p>
+          <a:p>
+            <a:pPr algn="l" rtl="0" fontAlgn="base"/>
+            <a:r>
+              <a:rPr lang="en-US" b="0" i="0" dirty="0">
+                <a:solidFill>
+                  <a:srgbClr val="273239"/>
+                </a:solidFill>
+                <a:effectLst/>
+                <a:latin typeface="Nunito" pitchFamily="2" charset="0"/>
+              </a:rPr>
+              <a:t>The following are the </a:t>
+            </a:r>
+            <a:r>
+              <a:rPr lang="en-US" b="0" i="0" u="sng" dirty="0">
+                <a:solidFill>
+                  <a:srgbClr val="357960"/>
+                </a:solidFill>
+                <a:effectLst/>
+                <a:latin typeface="Nunito" pitchFamily="2" charset="0"/>
+                <a:hlinkClick r:id="rId2"/>
+              </a:rPr>
+              <a:t>four conditions that must hold simultaneously</a:t>
+            </a:r>
+            <a:r>
+              <a:rPr lang="en-US" b="0" i="0" dirty="0">
+                <a:solidFill>
+                  <a:srgbClr val="273239"/>
+                </a:solidFill>
+                <a:effectLst/>
+                <a:latin typeface="Nunito" pitchFamily="2" charset="0"/>
+              </a:rPr>
+              <a:t> for a deadlock to occur.</a:t>
+            </a:r>
+          </a:p>
+          <a:p>
+            <a:pPr algn="l" fontAlgn="base">
+              <a:buFont typeface="+mj-lt"/>
+              <a:buAutoNum type="arabicPeriod"/>
+            </a:pPr>
+            <a:r>
+              <a:rPr lang="en-US" b="1" i="0" dirty="0">
+                <a:solidFill>
+                  <a:srgbClr val="273239"/>
+                </a:solidFill>
+                <a:effectLst/>
+                <a:latin typeface="Nunito" pitchFamily="2" charset="0"/>
+              </a:rPr>
+              <a:t>Mutual Exclusion:</a:t>
+            </a:r>
+            <a:r>
+              <a:rPr lang="en-US" b="0" i="0" dirty="0">
+                <a:solidFill>
+                  <a:srgbClr val="273239"/>
+                </a:solidFill>
+                <a:effectLst/>
+                <a:latin typeface="Nunito" pitchFamily="2" charset="0"/>
+              </a:rPr>
+              <a:t> A resource can be used by only one process at a time. If another process requests for that resource, then the requesting process must be delayed until the resource has been released.</a:t>
+            </a:r>
+          </a:p>
+          <a:p>
+            <a:pPr algn="l" fontAlgn="base">
+              <a:buFont typeface="+mj-lt"/>
+              <a:buAutoNum type="arabicPeriod" startAt="2"/>
+            </a:pPr>
+            <a:r>
+              <a:rPr lang="en-US" b="1" i="0" dirty="0">
+                <a:solidFill>
+                  <a:srgbClr val="273239"/>
+                </a:solidFill>
+                <a:effectLst/>
+                <a:latin typeface="Nunito" pitchFamily="2" charset="0"/>
+              </a:rPr>
+              <a:t>Hold and wait:</a:t>
+            </a:r>
+            <a:r>
+              <a:rPr lang="en-US" b="0" i="0" dirty="0">
+                <a:solidFill>
+                  <a:srgbClr val="273239"/>
+                </a:solidFill>
+                <a:effectLst/>
+                <a:latin typeface="Nunito" pitchFamily="2" charset="0"/>
+              </a:rPr>
+              <a:t> Some processes must be holding some resources in the non-shareable mode and at the same time must be waiting to acquire some more resources, which are currently held by other processes in the non-shareable mode.</a:t>
+            </a:r>
+          </a:p>
+          <a:p>
+            <a:pPr algn="l" fontAlgn="base">
+              <a:buFont typeface="+mj-lt"/>
+              <a:buAutoNum type="arabicPeriod" startAt="3"/>
+            </a:pPr>
+            <a:r>
+              <a:rPr lang="en-US" b="1" i="0" dirty="0">
+                <a:solidFill>
+                  <a:srgbClr val="273239"/>
+                </a:solidFill>
+                <a:effectLst/>
+                <a:latin typeface="Nunito" pitchFamily="2" charset="0"/>
+              </a:rPr>
+              <a:t>No pre-emption:</a:t>
+            </a:r>
+            <a:r>
+              <a:rPr lang="en-US" b="0" i="0" dirty="0">
+                <a:solidFill>
+                  <a:srgbClr val="273239"/>
+                </a:solidFill>
+                <a:effectLst/>
+                <a:latin typeface="Nunito" pitchFamily="2" charset="0"/>
+              </a:rPr>
+              <a:t> Resources granted to a process can be released back to the system only as a result of voluntary action of that process after the process has completed its task.</a:t>
+            </a:r>
+          </a:p>
+          <a:p>
+            <a:pPr algn="l" fontAlgn="base">
+              <a:buFont typeface="+mj-lt"/>
+              <a:buAutoNum type="arabicPeriod" startAt="4"/>
+            </a:pPr>
+            <a:r>
+              <a:rPr lang="en-US" b="1" i="0" dirty="0">
+                <a:solidFill>
+                  <a:srgbClr val="273239"/>
+                </a:solidFill>
+                <a:effectLst/>
+                <a:latin typeface="Nunito" pitchFamily="2" charset="0"/>
+              </a:rPr>
+              <a:t>Circular wait:</a:t>
+            </a:r>
+            <a:r>
+              <a:rPr lang="en-US" b="0" i="0" dirty="0">
+                <a:solidFill>
+                  <a:srgbClr val="273239"/>
+                </a:solidFill>
+                <a:effectLst/>
+                <a:latin typeface="Nunito" pitchFamily="2" charset="0"/>
+              </a:rPr>
+              <a:t> Deadlocked processes are involved in a circular chain such that each process holds one or more resources being requested by the next process in the chain.</a:t>
+            </a:r>
+          </a:p>
+        </p:txBody>
+      </p:sp>
+    </p:spTree>
+    <p:extLst>
+      <p:ext uri="{BB962C8B-B14F-4D97-AF65-F5344CB8AC3E}">
+        <p14:creationId xmlns:p14="http://schemas.microsoft.com/office/powerpoint/2010/main" val="328612817"/>
+      </p:ext>
+    </p:extLst>
+  </p:cSld>
+  <p:clrMapOvr>
+    <a:masterClrMapping/>
+  </p:clrMapOvr>
+  <p:transition>
+    <p:fade/>
+  </p:transition>
+</p:sld>
+</file>
+
+<file path=ppt/slides/slide6.xml><?xml version="1.0" encoding="utf-8"?>
+<p:sld xmlns:a="http://schemas.openxmlformats.org/drawingml/2006/main" xmlns:r="http://schemas.openxmlformats.org/officeDocument/2006/relationships" xmlns:p="http://schemas.openxmlformats.org/presentationml/2006/main">
+  <p:cSld>
+    <p:spTree>
+      <p:nvGrpSpPr>
+        <p:cNvPr id="1" name=""/>
+        <p:cNvGrpSpPr/>
+        <p:nvPr/>
+      </p:nvGrpSpPr>
+      <p:grpSpPr>
+        <a:xfrm>
+          <a:off x="0" y="0"/>
+          <a:ext cx="0" cy="0"/>
+          <a:chOff x="0" y="0"/>
+          <a:chExt cx="0" cy="0"/>
+        </a:xfrm>
+      </p:grpSpPr>
+      <p:sp>
+        <p:nvSpPr>
+          <p:cNvPr id="4" name="Slide Number Placeholder 3"/>
+          <p:cNvSpPr>
+            <a:spLocks noGrp="1"/>
+          </p:cNvSpPr>
+          <p:nvPr>
+            <p:ph type="sldNum" sz="quarter" idx="12"/>
+          </p:nvPr>
+        </p:nvSpPr>
+        <p:spPr/>
+        <p:txBody>
+          <a:bodyPr/>
+          <a:lstStyle/>
+          <a:p>
+            <a:fld id="{CE02F3F4-978A-4F22-8904-DD1959DE0DD5}" type="slidenum">
+              <a:rPr lang="en-US" smtClean="0"/>
+              <a:t>6</a:t>
+            </a:fld>
+            <a:endParaRPr lang="en-US"/>
+          </a:p>
+        </p:txBody>
+      </p:sp>
+      <p:sp>
+        <p:nvSpPr>
+          <p:cNvPr id="5" name="Title 4"/>
+          <p:cNvSpPr>
+            <a:spLocks noGrp="1"/>
+          </p:cNvSpPr>
+          <p:nvPr>
+            <p:ph type="title"/>
+          </p:nvPr>
+        </p:nvSpPr>
+        <p:spPr>
+          <a:xfrm>
+            <a:off x="191135" y="109220"/>
+            <a:ext cx="7972425" cy="255455"/>
+          </a:xfrm>
+        </p:spPr>
+        <p:txBody>
+          <a:bodyPr wrap="square"/>
+          <a:lstStyle/>
+          <a:p>
+            <a:pPr algn="l"/>
+            <a:r>
+              <a:rPr lang="en-IN" sz="1600" dirty="0"/>
+              <a:t>Multiple Granularity Deadlock Handling</a:t>
+            </a:r>
+            <a:endParaRPr lang="en-US" altLang="en-GB" sz="1600" dirty="0"/>
+          </a:p>
+        </p:txBody>
+      </p:sp>
+      <p:sp>
+        <p:nvSpPr>
+          <p:cNvPr id="6" name="TextBox 5">
+            <a:extLst>
+              <a:ext uri="{FF2B5EF4-FFF2-40B4-BE49-F238E27FC236}">
+                <a16:creationId xmlns:a16="http://schemas.microsoft.com/office/drawing/2014/main" id="{59C1E8B0-BAA2-AB5D-6E3C-65C098EAE8F8}"/>
+              </a:ext>
+            </a:extLst>
+          </p:cNvPr>
+          <p:cNvSpPr txBox="1"/>
+          <p:nvPr/>
+        </p:nvSpPr>
+        <p:spPr bwMode="auto">
+          <a:xfrm>
+            <a:off x="191135" y="664420"/>
+            <a:ext cx="4572000" cy="369332"/>
+          </a:xfrm>
+          <a:prstGeom prst="rect">
+            <a:avLst/>
+          </a:prstGeom>
+          <a:noFill/>
+          <a:ln w="19050" algn="ctr">
+            <a:noFill/>
+            <a:miter lim="800000"/>
+          </a:ln>
+        </p:spPr>
+        <p:txBody>
+          <a:bodyPr wrap="square">
+            <a:spAutoFit/>
+          </a:bodyPr>
+          <a:lstStyle/>
+          <a:p>
+            <a:pPr algn="l" fontAlgn="base"/>
+            <a:r>
+              <a:rPr lang="en-IN" b="1" i="0" dirty="0">
+                <a:solidFill>
+                  <a:srgbClr val="273239"/>
+                </a:solidFill>
+                <a:effectLst/>
+                <a:latin typeface="Nunito" pitchFamily="2" charset="0"/>
+              </a:rPr>
+              <a:t>Methods of Handling Deadlocks</a:t>
+            </a:r>
+          </a:p>
+        </p:txBody>
+      </p:sp>
+      <p:sp>
+        <p:nvSpPr>
+          <p:cNvPr id="7" name="Rectangle 1">
+            <a:extLst>
+              <a:ext uri="{FF2B5EF4-FFF2-40B4-BE49-F238E27FC236}">
+                <a16:creationId xmlns:a16="http://schemas.microsoft.com/office/drawing/2014/main" id="{D560FB0C-3997-C36C-35FE-4BF0F050EC90}"/>
+              </a:ext>
+            </a:extLst>
+          </p:cNvPr>
+          <p:cNvSpPr>
+            <a:spLocks noChangeArrowheads="1"/>
+          </p:cNvSpPr>
+          <p:nvPr/>
+        </p:nvSpPr>
+        <p:spPr bwMode="auto">
+          <a:xfrm>
+            <a:off x="353492" y="1083148"/>
+            <a:ext cx="7647709" cy="1384995"/>
+          </a:xfrm>
+          <a:prstGeom prst="rect">
+            <a:avLst/>
+          </a:prstGeom>
+          <a:solidFill>
+            <a:srgbClr val="E0E0E0"/>
+          </a:solidFill>
+          <a:ln>
+            <a:noFill/>
+          </a:ln>
+          <a:effectLst/>
+          <a:extLst>
+            <a:ext uri="{91240B29-F687-4F45-9708-019B960494DF}">
+              <a14:hiddenLine xmlns:a14="http://schemas.microsoft.com/office/drawing/2010/main" w="9525">
+                <a:solidFill>
+                  <a:schemeClr val="tx1"/>
+                </a:solidFill>
+                <a:miter lim="800000"/>
+                <a:headEnd/>
+                <a:tailEnd/>
+              </a14:hiddenLine>
+            </a:ext>
+            <a:ext uri="{AF507438-7753-43E0-B8FC-AC1667EBCBE1}">
+              <a14:hiddenEffects xmlns:a14="http://schemas.microsoft.com/office/drawing/2010/main">
+                <a:effectLst>
+                  <a:outerShdw dist="35921" dir="2700000" algn="ctr" rotWithShape="0">
+                    <a:schemeClr val="bg2"/>
+                  </a:outerShdw>
+                </a:effectLst>
+              </a14:hiddenEffects>
+            </a:ext>
+          </a:extLst>
+        </p:spPr>
+        <p:txBody>
+          <a:bodyPr vert="horz" wrap="square" lIns="0" tIns="0" rIns="0" bIns="0" numCol="1" anchor="ctr" anchorCtr="0" compatLnSpc="1">
+            <a:prstTxWarp prst="textNoShape">
+              <a:avLst/>
+            </a:prstTxWarp>
+            <a:spAutoFit/>
+          </a:bodyPr>
+          <a:lstStyle/>
+          <a:p>
+            <a:pPr marL="0" marR="0" lvl="0" indent="0" algn="l" defTabSz="914400" rtl="0" eaLnBrk="0" fontAlgn="base" latinLnBrk="0" hangingPunct="0">
+              <a:lnSpc>
+                <a:spcPct val="100000"/>
+              </a:lnSpc>
+              <a:spcBef>
+                <a:spcPct val="0"/>
+              </a:spcBef>
+              <a:spcAft>
+                <a:spcPct val="0"/>
+              </a:spcAft>
+              <a:buClrTx/>
+              <a:buSzTx/>
+              <a:buFontTx/>
+              <a:buNone/>
+              <a:tabLst/>
+            </a:pPr>
+            <a:r>
+              <a:rPr kumimoji="0" lang="en-US" altLang="en-US" b="0" i="0" u="none" strike="noStrike" cap="none" normalizeH="0" baseline="0" dirty="0">
+                <a:ln>
+                  <a:noFill/>
+                </a:ln>
+                <a:solidFill>
+                  <a:srgbClr val="273239"/>
+                </a:solidFill>
+                <a:effectLst/>
+                <a:latin typeface="Nunito" pitchFamily="2" charset="0"/>
+              </a:rPr>
+              <a:t>There are four approaches to dealing with deadlocks.</a:t>
+            </a:r>
+            <a:endParaRPr kumimoji="0" lang="en-US" altLang="en-US" b="1" i="0" u="none" strike="noStrike" cap="none" normalizeH="0" baseline="0" dirty="0">
+              <a:ln>
+                <a:noFill/>
+              </a:ln>
+              <a:solidFill>
+                <a:schemeClr val="tx1"/>
+              </a:solidFill>
+              <a:effectLst/>
+              <a:latin typeface="Consolas" panose="020B0609020204030204" pitchFamily="49" charset="0"/>
+            </a:endParaRPr>
+          </a:p>
+          <a:p>
+            <a:pPr marL="0" marR="0" lvl="0" indent="0" algn="l" defTabSz="914400" rtl="0" eaLnBrk="0" fontAlgn="base" latinLnBrk="0" hangingPunct="0">
+              <a:lnSpc>
+                <a:spcPct val="100000"/>
+              </a:lnSpc>
+              <a:spcBef>
+                <a:spcPct val="0"/>
+              </a:spcBef>
+              <a:spcAft>
+                <a:spcPct val="0"/>
+              </a:spcAft>
+              <a:buClrTx/>
+              <a:buSzTx/>
+              <a:buFontTx/>
+              <a:buNone/>
+              <a:tabLst/>
+            </a:pPr>
+            <a:r>
+              <a:rPr kumimoji="0" lang="en-US" altLang="en-US" b="1" i="0" u="none" strike="noStrike" cap="none" normalizeH="0" baseline="0" dirty="0">
+                <a:ln>
+                  <a:noFill/>
+                </a:ln>
+                <a:solidFill>
+                  <a:schemeClr val="tx1"/>
+                </a:solidFill>
+                <a:effectLst/>
+                <a:latin typeface="Consolas" panose="020B0609020204030204" pitchFamily="49" charset="0"/>
+              </a:rPr>
+              <a:t>1.</a:t>
+            </a:r>
+            <a:r>
+              <a:rPr kumimoji="0" lang="en-US" altLang="en-US" b="0" i="0" u="none" strike="noStrike" cap="none" normalizeH="0" baseline="0" dirty="0">
+                <a:ln>
+                  <a:noFill/>
+                </a:ln>
+                <a:solidFill>
+                  <a:schemeClr val="tx1"/>
+                </a:solidFill>
+                <a:effectLst/>
+                <a:latin typeface="Consolas" panose="020B0609020204030204" pitchFamily="49" charset="0"/>
+              </a:rPr>
+              <a:t> Deadlock Prevention</a:t>
+            </a:r>
+            <a:br>
+              <a:rPr kumimoji="0" lang="en-US" altLang="en-US" b="0" i="0" u="none" strike="noStrike" cap="none" normalizeH="0" baseline="0" dirty="0">
+                <a:ln>
+                  <a:noFill/>
+                </a:ln>
+                <a:solidFill>
+                  <a:schemeClr val="tx1"/>
+                </a:solidFill>
+                <a:effectLst/>
+                <a:latin typeface="Consolas" panose="020B0609020204030204" pitchFamily="49" charset="0"/>
+              </a:rPr>
+            </a:br>
+            <a:r>
+              <a:rPr kumimoji="0" lang="en-US" altLang="en-US" b="1" i="0" u="none" strike="noStrike" cap="none" normalizeH="0" baseline="0" dirty="0">
+                <a:ln>
+                  <a:noFill/>
+                </a:ln>
+                <a:solidFill>
+                  <a:schemeClr val="tx1"/>
+                </a:solidFill>
+                <a:effectLst/>
+                <a:latin typeface="Consolas" panose="020B0609020204030204" pitchFamily="49" charset="0"/>
+              </a:rPr>
+              <a:t>2.</a:t>
+            </a:r>
+            <a:r>
+              <a:rPr kumimoji="0" lang="en-US" altLang="en-US" b="0" i="0" u="none" strike="noStrike" cap="none" normalizeH="0" baseline="0" dirty="0">
+                <a:ln>
+                  <a:noFill/>
+                </a:ln>
+                <a:solidFill>
+                  <a:schemeClr val="tx1"/>
+                </a:solidFill>
+                <a:effectLst/>
+                <a:latin typeface="Consolas" panose="020B0609020204030204" pitchFamily="49" charset="0"/>
+              </a:rPr>
+              <a:t> Deadlock avoidance (Banker's Algorithm)</a:t>
+            </a:r>
+            <a:br>
+              <a:rPr kumimoji="0" lang="en-US" altLang="en-US" b="0" i="0" u="none" strike="noStrike" cap="none" normalizeH="0" baseline="0" dirty="0">
+                <a:ln>
+                  <a:noFill/>
+                </a:ln>
+                <a:solidFill>
+                  <a:schemeClr val="tx1"/>
+                </a:solidFill>
+                <a:effectLst/>
+                <a:latin typeface="Consolas" panose="020B0609020204030204" pitchFamily="49" charset="0"/>
+              </a:rPr>
+            </a:br>
+            <a:r>
+              <a:rPr kumimoji="0" lang="en-US" altLang="en-US" b="1" i="0" u="none" strike="noStrike" cap="none" normalizeH="0" baseline="0" dirty="0">
+                <a:ln>
+                  <a:noFill/>
+                </a:ln>
+                <a:solidFill>
+                  <a:schemeClr val="tx1"/>
+                </a:solidFill>
+                <a:effectLst/>
+                <a:latin typeface="Consolas" panose="020B0609020204030204" pitchFamily="49" charset="0"/>
+              </a:rPr>
+              <a:t>3.</a:t>
+            </a:r>
+            <a:r>
+              <a:rPr kumimoji="0" lang="en-US" altLang="en-US" b="0" i="0" u="none" strike="noStrike" cap="none" normalizeH="0" baseline="0" dirty="0">
+                <a:ln>
+                  <a:noFill/>
+                </a:ln>
+                <a:solidFill>
+                  <a:schemeClr val="tx1"/>
+                </a:solidFill>
+                <a:effectLst/>
+                <a:latin typeface="Consolas" panose="020B0609020204030204" pitchFamily="49" charset="0"/>
+              </a:rPr>
+              <a:t> Deadlock detection &amp; recovery</a:t>
+            </a:r>
+            <a:br>
+              <a:rPr kumimoji="0" lang="en-US" altLang="en-US" b="0" i="0" u="none" strike="noStrike" cap="none" normalizeH="0" baseline="0" dirty="0">
+                <a:ln>
+                  <a:noFill/>
+                </a:ln>
+                <a:solidFill>
+                  <a:schemeClr val="tx1"/>
+                </a:solidFill>
+                <a:effectLst/>
+                <a:latin typeface="Consolas" panose="020B0609020204030204" pitchFamily="49" charset="0"/>
+              </a:rPr>
+            </a:br>
+            <a:r>
+              <a:rPr kumimoji="0" lang="en-US" altLang="en-US" b="1" i="0" u="none" strike="noStrike" cap="none" normalizeH="0" baseline="0" dirty="0">
+                <a:ln>
+                  <a:noFill/>
+                </a:ln>
+                <a:solidFill>
+                  <a:schemeClr val="tx1"/>
+                </a:solidFill>
+                <a:effectLst/>
+                <a:latin typeface="Consolas" panose="020B0609020204030204" pitchFamily="49" charset="0"/>
+              </a:rPr>
+              <a:t>4.</a:t>
+            </a:r>
+            <a:r>
+              <a:rPr kumimoji="0" lang="en-US" altLang="en-US" b="0" i="0" u="none" strike="noStrike" cap="none" normalizeH="0" baseline="0" dirty="0">
+                <a:ln>
+                  <a:noFill/>
+                </a:ln>
+                <a:solidFill>
+                  <a:schemeClr val="tx1"/>
+                </a:solidFill>
+                <a:effectLst/>
+                <a:latin typeface="Consolas" panose="020B0609020204030204" pitchFamily="49" charset="0"/>
+              </a:rPr>
+              <a:t> Deadlock Ignorance (Ostrich Method)</a:t>
+            </a:r>
+            <a:r>
+              <a:rPr kumimoji="0" lang="en-US" altLang="en-US" b="0" i="0" u="none" strike="noStrike" cap="none" normalizeH="0" baseline="0" dirty="0">
+                <a:ln>
+                  <a:noFill/>
+                </a:ln>
+                <a:solidFill>
+                  <a:schemeClr val="tx1"/>
+                </a:solidFill>
+                <a:effectLst/>
+              </a:rPr>
+              <a:t> </a:t>
+            </a:r>
+            <a:endParaRPr kumimoji="0" lang="en-US" altLang="en-US" b="0" i="0" u="none" strike="noStrike" cap="none" normalizeH="0" baseline="0" dirty="0">
+              <a:ln>
+                <a:noFill/>
+              </a:ln>
+              <a:solidFill>
+                <a:schemeClr val="tx1"/>
+              </a:solidFill>
+              <a:effectLst/>
+              <a:latin typeface="Arial" panose="020B0604020202020204" pitchFamily="34" charset="0"/>
+            </a:endParaRPr>
+          </a:p>
+        </p:txBody>
+      </p:sp>
+    </p:spTree>
+    <p:extLst>
+      <p:ext uri="{BB962C8B-B14F-4D97-AF65-F5344CB8AC3E}">
+        <p14:creationId xmlns:p14="http://schemas.microsoft.com/office/powerpoint/2010/main" val="3570935036"/>
+      </p:ext>
+    </p:extLst>
+  </p:cSld>
+  <p:clrMapOvr>
+    <a:masterClrMapping/>
+  </p:clrMapOvr>
+  <p:transition>
+    <p:fade/>
+  </p:transition>
+</p:sld>
+</file>
+
+<file path=ppt/slides/slide7.xml><?xml version="1.0" encoding="utf-8"?>
+<p:sld xmlns:a="http://schemas.openxmlformats.org/drawingml/2006/main" xmlns:r="http://schemas.openxmlformats.org/officeDocument/2006/relationships" xmlns:p="http://schemas.openxmlformats.org/presentationml/2006/main">
+  <p:cSld>
+    <p:spTree>
+      <p:nvGrpSpPr>
+        <p:cNvPr id="1" name=""/>
+        <p:cNvGrpSpPr/>
+        <p:nvPr/>
+      </p:nvGrpSpPr>
+      <p:grpSpPr>
+        <a:xfrm>
+          <a:off x="0" y="0"/>
+          <a:ext cx="0" cy="0"/>
+          <a:chOff x="0" y="0"/>
+          <a:chExt cx="0" cy="0"/>
+        </a:xfrm>
+      </p:grpSpPr>
+      <p:sp>
+        <p:nvSpPr>
+          <p:cNvPr id="4" name="Slide Number Placeholder 3"/>
+          <p:cNvSpPr>
+            <a:spLocks noGrp="1"/>
+          </p:cNvSpPr>
+          <p:nvPr>
+            <p:ph type="sldNum" sz="quarter" idx="12"/>
+          </p:nvPr>
+        </p:nvSpPr>
+        <p:spPr/>
+        <p:txBody>
+          <a:bodyPr/>
+          <a:lstStyle/>
+          <a:p>
+            <a:fld id="{CE02F3F4-978A-4F22-8904-DD1959DE0DD5}" type="slidenum">
+              <a:rPr lang="en-US" smtClean="0"/>
+              <a:t>7</a:t>
             </a:fld>
             <a:endParaRPr lang="en-US"/>
           </a:p>
